--- a/datasheet/aks-dev-day-datasheet.pptx
+++ b/datasheet/aks-dev-day-datasheet.pptx
@@ -218,7 +218,7 @@
           <a:p>
             <a:fld id="{C1ED4FBD-359B-464A-83DC-F19BE73932BA}" type="datetimeFigureOut">
               <a:rPr lang="en-US" smtClean="0"/>
-              <a:t>12/7/2022</a:t>
+              <a:t>1/5/2023</a:t>
             </a:fld>
             <a:endParaRPr lang="en-US"/>
           </a:p>
@@ -2013,7 +2013,7 @@
                 <a:ea typeface="Segoe UI" charset="0"/>
                 <a:cs typeface="Segoe UI" charset="0"/>
               </a:rPr>
-              <a:t>Introduction to Azure Kubernetes Service</a:t>
+              <a:t>AKS Dev Day</a:t>
             </a:r>
           </a:p>
         </p:txBody>
@@ -2227,7 +2227,7 @@
         <p:spPr>
           <a:xfrm>
             <a:off x="223521" y="2384061"/>
-            <a:ext cx="3662679" cy="6390211"/>
+            <a:ext cx="3662679" cy="6067045"/>
           </a:xfrm>
           <a:prstGeom prst="rect">
             <a:avLst/>
@@ -2309,7 +2309,7 @@
                 <a:latin typeface="Segoe UI"/>
                 <a:cs typeface="Segoe UI"/>
               </a:rPr>
-              <a:t>The hands-on labs will walk you through real-world examples to help you understand deploying applications to AKS, scaling deployments, scaling AKS and managing Ingress.</a:t>
+              <a:t>The hands-on labs will walk you through real-world examples to help you understand deploying applications to AKS, scaling AKS and managing Ingress.</a:t>
             </a:r>
           </a:p>
           <a:p>
@@ -2330,7 +2330,21 @@
                 <a:latin typeface="Segoe UI"/>
                 <a:cs typeface="Segoe UI"/>
               </a:rPr>
-              <a:t>In addition, you will have a solid understanding using HELM package manager and Kubernetes Event Driven Architecture (KEDA)</a:t>
+              <a:t>In addition, you will have a solid </a:t>
+            </a:r>
+            <a:r>
+              <a:rPr lang="en-US" sz="1050">
+                <a:latin typeface="Segoe UI"/>
+                <a:cs typeface="Segoe UI"/>
+              </a:rPr>
+              <a:t>understanding using the  </a:t>
+            </a:r>
+            <a:r>
+              <a:rPr lang="en-US" sz="1050" dirty="0">
+                <a:latin typeface="Segoe UI"/>
+                <a:cs typeface="Segoe UI"/>
+              </a:rPr>
+              <a:t>HELM package manager.</a:t>
             </a:r>
           </a:p>
           <a:p>
@@ -2414,7 +2428,7 @@
                 <a:latin typeface="Segoe UI"/>
                 <a:cs typeface="Segoe UI"/>
               </a:rPr>
-              <a:t>Meet today’s and tomorrow’s challenges by acquiring knowledge on Kubernetes and Azure Kubernetes Service.</a:t>
+              <a:t>Meet todays and tomorrow’s challenges by acquiring knowledge on Kubernetes and Azure Kubernetes Service.</a:t>
             </a:r>
           </a:p>
           <a:p>
@@ -2501,18 +2515,13 @@
             </a:endParaRPr>
           </a:p>
           <a:p>
-            <a:pPr marL="171450" indent="-171450">
-              <a:buFont typeface="Arial" panose="020B0604020202020204" pitchFamily="34" charset="0"/>
-              <a:buChar char="•"/>
+            <a:pPr>
               <a:defRPr/>
             </a:pPr>
-            <a:r>
-              <a:rPr lang="en-US" sz="1050" dirty="0">
-                <a:latin typeface="Segoe UI"/>
-                <a:cs typeface="Segoe UI"/>
-              </a:rPr>
-              <a:t>Implementing Event Driven Architecture in Kubernetes</a:t>
-            </a:r>
+            <a:endParaRPr lang="en-US" sz="1050" dirty="0">
+              <a:latin typeface="Segoe UI"/>
+              <a:cs typeface="Segoe UI"/>
+            </a:endParaRPr>
           </a:p>
           <a:p>
             <a:pPr marL="171450" indent="-171450">
@@ -2542,7 +2551,7 @@
         <p:spPr>
           <a:xfrm>
             <a:off x="3913940" y="2384061"/>
-            <a:ext cx="3750176" cy="6554358"/>
+            <a:ext cx="3750176" cy="5908028"/>
           </a:xfrm>
           <a:prstGeom prst="rect">
             <a:avLst/>
@@ -2660,7 +2669,7 @@
                 <a:latin typeface="Segoe UI" panose="020B0502040204020203" pitchFamily="34" charset="0"/>
                 <a:ea typeface="Calibri" panose="020F0502020204030204" pitchFamily="34" charset="0"/>
               </a:rPr>
-              <a:t>Understand Event Driven Architecture and manage application scale using external events like message queues</a:t>
+              <a:t>Using HELM to deploy an application to AKS</a:t>
             </a:r>
           </a:p>
           <a:p>
@@ -2943,58 +2952,6 @@
                 <a:cs typeface="Segoe UI"/>
               </a:rPr>
               <a:t>Scaling in AKS</a:t>
-            </a:r>
-          </a:p>
-          <a:p>
-            <a:pPr marL="171450" indent="-171450" algn="l" rtl="0" eaLnBrk="1" fontAlgn="ctr" latinLnBrk="0" hangingPunct="1">
-              <a:spcBef>
-                <a:spcPts val="0"/>
-              </a:spcBef>
-              <a:spcAft>
-                <a:spcPts val="0"/>
-              </a:spcAft>
-              <a:buFont typeface="Arial" panose="020B0604020202020204" pitchFamily="34" charset="0"/>
-              <a:buChar char="•"/>
-            </a:pPr>
-            <a:r>
-              <a:rPr lang="en-US" sz="1050" b="1" dirty="0">
-                <a:latin typeface="Segoe UI"/>
-                <a:cs typeface="Segoe UI"/>
-              </a:rPr>
-              <a:t>Lab</a:t>
-            </a:r>
-            <a:r>
-              <a:rPr lang="en-US" sz="1050" dirty="0">
-                <a:latin typeface="Segoe UI"/>
-                <a:cs typeface="Segoe UI"/>
-              </a:rPr>
-              <a:t>: Scalability on AKS using HPA</a:t>
-            </a:r>
-          </a:p>
-          <a:p>
-            <a:pPr marL="171450" marR="0" indent="-171450" algn="l" rtl="0" eaLnBrk="1" fontAlgn="auto" latinLnBrk="0" hangingPunct="1">
-              <a:spcBef>
-                <a:spcPts val="0"/>
-              </a:spcBef>
-              <a:spcAft>
-                <a:spcPts val="0"/>
-              </a:spcAft>
-              <a:buFont typeface="Arial" panose="020B0604020202020204" pitchFamily="34" charset="0"/>
-              <a:buChar char="•"/>
-            </a:pPr>
-            <a:r>
-              <a:rPr lang="en-US" sz="1050" b="1" dirty="0">
-                <a:latin typeface="Segoe UI"/>
-                <a:cs typeface="Segoe UI"/>
-              </a:rPr>
-              <a:t>Lab</a:t>
-            </a:r>
-            <a:r>
-              <a:rPr lang="en-US" sz="1050" dirty="0">
-                <a:latin typeface="Segoe UI"/>
-                <a:cs typeface="Segoe UI"/>
-              </a:rPr>
-              <a:t>: Scaling AKS using KEDA</a:t>
             </a:r>
           </a:p>
           <a:p>
@@ -3870,6 +3827,15 @@
 </file>
 
 <file path=customXml/item1.xml><?xml version="1.0" encoding="utf-8"?>
+<?mso-contentType ?>
+<FormTemplates xmlns="http://schemas.microsoft.com/sharepoint/v3/contenttype/forms">
+  <Display>DocumentLibraryForm</Display>
+  <Edit>DocumentLibraryForm</Edit>
+  <New>DocumentLibraryForm</New>
+</FormTemplates>
+</file>
+
+<file path=customXml/item2.xml><?xml version="1.0" encoding="utf-8"?>
 <ct:contentTypeSchema xmlns:ct="http://schemas.microsoft.com/office/2006/metadata/contentType" xmlns:ma="http://schemas.microsoft.com/office/2006/metadata/properties/metaAttributes" ct:_="" ma:_="" ma:contentTypeName="Document" ma:contentTypeID="0x01010039A62E282DDA434E979CD3E03185182E" ma:contentTypeVersion="22" ma:contentTypeDescription="Create a new document." ma:contentTypeScope="" ma:versionID="411f8dbfa59cee283d63b31959e752b1">
   <xsd:schema xmlns:xsd="http://www.w3.org/2001/XMLSchema" xmlns:xs="http://www.w3.org/2001/XMLSchema" xmlns:p="http://schemas.microsoft.com/office/2006/metadata/properties" xmlns:ns1="http://schemas.microsoft.com/sharepoint/v3" xmlns:ns2="cea7764e-6bf9-427d-be15-e74097e0a61c" xmlns:ns3="fb9ea31f-0ab8-44ff-80d1-5777f6d9d945" targetNamespace="http://schemas.microsoft.com/office/2006/metadata/properties" ma:root="true" ma:fieldsID="492dae4bbc73fa3e5f26ae1920f661a0" ns1:_="" ns2:_="" ns3:_="">
     <xsd:import namespace="http://schemas.microsoft.com/sharepoint/v3"/>
@@ -4152,15 +4118,6 @@
 </ct:contentTypeSchema>
 </file>
 
-<file path=customXml/item2.xml><?xml version="1.0" encoding="utf-8"?>
-<?mso-contentType ?>
-<FormTemplates xmlns="http://schemas.microsoft.com/sharepoint/v3/contenttype/forms">
-  <Display>DocumentLibraryForm</Display>
-  <Edit>DocumentLibraryForm</Edit>
-  <New>DocumentLibraryForm</New>
-</FormTemplates>
-</file>
-
 <file path=customXml/item3.xml><?xml version="1.0" encoding="utf-8"?>
 <p:properties xmlns:p="http://schemas.microsoft.com/office/2006/metadata/properties" xmlns:xsi="http://www.w3.org/2001/XMLSchema-instance" xmlns:pc="http://schemas.microsoft.com/office/infopath/2007/PartnerControls">
   <documentManagement>
@@ -4181,6 +4138,14 @@
 </file>
 
 <file path=customXml/itemProps1.xml><?xml version="1.0" encoding="utf-8"?>
+<ds:datastoreItem xmlns:ds="http://schemas.openxmlformats.org/officeDocument/2006/customXml" ds:itemID="{BEDF0477-9022-489D-95A1-D7E0AA131797}">
+  <ds:schemaRefs>
+    <ds:schemaRef ds:uri="http://schemas.microsoft.com/sharepoint/v3/contenttype/forms"/>
+  </ds:schemaRefs>
+</ds:datastoreItem>
+</file>
+
+<file path=customXml/itemProps2.xml><?xml version="1.0" encoding="utf-8"?>
 <ds:datastoreItem xmlns:ds="http://schemas.openxmlformats.org/officeDocument/2006/customXml" ds:itemID="{D8C6BAC7-86E1-4194-8457-9C1F382844E0}">
   <ds:schemaRefs>
     <ds:schemaRef ds:uri="http://schemas.microsoft.com/office/2006/metadata/contentType"/>
@@ -4196,14 +4161,6 @@
     <ds:schemaRef ds:uri="http://purl.org/dc/elements/1.1/"/>
     <ds:schemaRef ds:uri="http://purl.org/dc/terms/"/>
     <ds:schemaRef ds:uri="http://schemas.microsoft.com/internal/obd"/>
-  </ds:schemaRefs>
-</ds:datastoreItem>
-</file>
-
-<file path=customXml/itemProps2.xml><?xml version="1.0" encoding="utf-8"?>
-<ds:datastoreItem xmlns:ds="http://schemas.openxmlformats.org/officeDocument/2006/customXml" ds:itemID="{BEDF0477-9022-489D-95A1-D7E0AA131797}">
-  <ds:schemaRefs>
-    <ds:schemaRef ds:uri="http://schemas.microsoft.com/sharepoint/v3/contenttype/forms"/>
   </ds:schemaRefs>
 </ds:datastoreItem>
 </file>
